--- a/Praesentation/Abschlusspräsentation/Teil-Präsentationen/Praesentation_ML.pptx
+++ b/Praesentation/Abschlusspräsentation/Teil-Präsentationen/Praesentation_ML.pptx
@@ -6,10 +6,10 @@
     <p:sldMasterId id="2147483669" r:id="rId2"/>
   </p:sldMasterIdLst>
   <p:notesMasterIdLst>
-    <p:notesMasterId r:id="rId8"/>
+    <p:notesMasterId r:id="rId9"/>
   </p:notesMasterIdLst>
   <p:handoutMasterIdLst>
-    <p:handoutMasterId r:id="rId9"/>
+    <p:handoutMasterId r:id="rId10"/>
   </p:handoutMasterIdLst>
   <p:sldIdLst>
     <p:sldId id="262" r:id="rId3"/>
@@ -17,6 +17,7 @@
     <p:sldId id="264" r:id="rId5"/>
     <p:sldId id="265" r:id="rId6"/>
     <p:sldId id="266" r:id="rId7"/>
+    <p:sldId id="267" r:id="rId8"/>
   </p:sldIdLst>
   <p:sldSz cx="9144000" cy="6858000" type="screen4x3"/>
   <p:notesSz cx="6858000" cy="9144000"/>
@@ -230,7 +231,7 @@
           <a:p>
             <a:fld id="{0AE13250-C537-B448-BED9-AF61DCF088B2}" type="datetimeFigureOut">
               <a:rPr lang="de-DE" smtClean="0"/>
-              <a:t>06.01.2016</a:t>
+              <a:t>11.01.2016</a:t>
             </a:fld>
             <a:endParaRPr lang="de-DE"/>
           </a:p>
@@ -396,7 +397,7 @@
           <a:p>
             <a:fld id="{7BF8C751-7494-BF40-8574-213D7890D13D}" type="datetimeFigureOut">
               <a:rPr lang="de-DE" smtClean="0"/>
-              <a:t>06.01.2016</a:t>
+              <a:t>11.01.2016</a:t>
             </a:fld>
             <a:endParaRPr lang="de-DE"/>
           </a:p>
@@ -7824,7 +7825,24 @@
             </a:r>
             <a:r>
               <a:rPr lang="de-DE" dirty="0" smtClean="0"/>
-              <a:t> Tutorial</a:t>
+              <a:t> </a:t>
+            </a:r>
+            <a:r>
+              <a:rPr lang="de-DE" dirty="0" smtClean="0"/>
+              <a:t>Tutorial</a:t>
+            </a:r>
+          </a:p>
+          <a:p>
+            <a:endParaRPr lang="de-DE" dirty="0" smtClean="0"/>
+          </a:p>
+          <a:p>
+            <a:r>
+              <a:rPr lang="de-DE" dirty="0" err="1" smtClean="0"/>
+              <a:t>Burp</a:t>
+            </a:r>
+            <a:r>
+              <a:rPr lang="de-DE" dirty="0" smtClean="0"/>
+              <a:t> Suite Tutorial</a:t>
             </a:r>
             <a:endParaRPr lang="de-DE" dirty="0"/>
           </a:p>
@@ -8497,18 +8515,16 @@
         </p:nvSpPr>
         <p:spPr/>
         <p:txBody>
-          <a:bodyPr/>
+          <a:bodyPr>
+            <a:normAutofit lnSpcReduction="10000"/>
+          </a:bodyPr>
           <a:lstStyle/>
           <a:p>
             <a:r>
               <a:rPr lang="de-DE" dirty="0" err="1" smtClean="0"/>
               <a:t>Nmap</a:t>
             </a:r>
-            <a:r>
-              <a:rPr lang="de-DE" dirty="0" smtClean="0"/>
-              <a:t> kann verwendet werden, zum:</a:t>
-            </a:r>
-            <a:endParaRPr lang="de-DE" dirty="0"/>
+            <a:endParaRPr lang="de-DE" dirty="0" smtClean="0"/>
           </a:p>
           <a:p>
             <a:pPr lvl="1"/>
@@ -8521,53 +8537,101 @@
             <a:pPr lvl="1"/>
             <a:r>
               <a:rPr lang="de-DE" dirty="0" smtClean="0"/>
-              <a:t>Testen von offenen Ports eines Hosts</a:t>
+              <a:t>Testen </a:t>
+            </a:r>
+            <a:r>
+              <a:rPr lang="de-DE" dirty="0"/>
+              <a:t>von offenen Ports eines Hosts</a:t>
             </a:r>
           </a:p>
           <a:p>
             <a:pPr lvl="1"/>
             <a:r>
-              <a:rPr lang="de-DE" dirty="0" smtClean="0"/>
+              <a:rPr lang="de-DE" dirty="0"/>
               <a:t>Herausfinden des Betriebssystems und der Version eines Hosts</a:t>
             </a:r>
           </a:p>
           <a:p>
             <a:pPr lvl="1"/>
             <a:r>
-              <a:rPr lang="de-DE" dirty="0" smtClean="0"/>
-              <a:t>Herausfinden der Art </a:t>
-            </a:r>
-            <a:r>
               <a:rPr lang="de-DE" dirty="0"/>
-              <a:t>von Paketfiltern/-Firewalls</a:t>
-            </a:r>
-            <a:endParaRPr lang="de-DE" dirty="0" smtClean="0"/>
+              <a:t>Herausfinden der Art von Paketfiltern/-Firewalls</a:t>
+            </a:r>
           </a:p>
           <a:p>
             <a:pPr lvl="1"/>
             <a:endParaRPr lang="de-DE" dirty="0"/>
           </a:p>
           <a:p>
+            <a:r>
+              <a:rPr lang="de-DE" dirty="0" err="1" smtClean="0"/>
+              <a:t>Nmap</a:t>
+            </a:r>
+            <a:r>
+              <a:rPr lang="de-DE" dirty="0" smtClean="0"/>
+              <a:t> Tutorial:</a:t>
+            </a:r>
+          </a:p>
+          <a:p>
+            <a:pPr lvl="1"/>
+            <a:r>
+              <a:rPr lang="de-DE" dirty="0" smtClean="0"/>
+              <a:t>Kleiner Einstieg in </a:t>
+            </a:r>
+            <a:r>
+              <a:rPr lang="de-DE" dirty="0" err="1" smtClean="0"/>
+              <a:t>Nmap</a:t>
+            </a:r>
+            <a:endParaRPr lang="de-DE" dirty="0" smtClean="0"/>
+          </a:p>
+          <a:p>
+            <a:pPr lvl="1"/>
+            <a:r>
+              <a:rPr lang="de-DE" dirty="0" smtClean="0"/>
+              <a:t>Was ist </a:t>
+            </a:r>
+            <a:r>
+              <a:rPr lang="de-DE" dirty="0" err="1" smtClean="0"/>
+              <a:t>Nmap</a:t>
+            </a:r>
+            <a:endParaRPr lang="de-DE" dirty="0" smtClean="0"/>
+          </a:p>
+          <a:p>
+            <a:pPr lvl="1"/>
+            <a:r>
+              <a:rPr lang="de-DE" dirty="0" smtClean="0"/>
+              <a:t>Wichtigste Optionen in </a:t>
+            </a:r>
+            <a:r>
+              <a:rPr lang="de-DE" dirty="0" err="1" smtClean="0"/>
+              <a:t>Nmap</a:t>
+            </a:r>
+            <a:endParaRPr lang="de-DE" dirty="0" smtClean="0"/>
+          </a:p>
+          <a:p>
+            <a:pPr lvl="1"/>
+            <a:r>
+              <a:rPr lang="de-DE" dirty="0" smtClean="0"/>
+              <a:t>3 kleine Übungsaufgaben zum Verständnis</a:t>
+            </a:r>
+          </a:p>
+          <a:p>
+            <a:pPr lvl="1"/>
+            <a:r>
+              <a:rPr lang="de-DE" dirty="0" smtClean="0"/>
+              <a:t>Lösungen zu den Übungen für </a:t>
+            </a:r>
+            <a:r>
+              <a:rPr lang="de-DE" smtClean="0"/>
+              <a:t>selbständige Bearbeitung</a:t>
+            </a:r>
+            <a:endParaRPr lang="de-DE" dirty="0"/>
+          </a:p>
+          <a:p>
             <a:pPr indent="0">
               <a:buNone/>
             </a:pPr>
             <a:endParaRPr lang="de-DE" dirty="0" smtClean="0"/>
-          </a:p>
-          <a:p>
-            <a:pPr indent="0" algn="ctr">
-              <a:buNone/>
-            </a:pPr>
-            <a:endParaRPr lang="de-DE" dirty="0" smtClean="0"/>
-          </a:p>
-          <a:p>
-            <a:pPr indent="0" algn="ctr">
-              <a:buNone/>
-            </a:pPr>
-            <a:r>
-              <a:rPr lang="de-DE" dirty="0" smtClean="0"/>
-              <a:t>Vorführung</a:t>
-            </a:r>
-            <a:endParaRPr lang="de-DE" dirty="0"/>
           </a:p>
         </p:txBody>
       </p:sp>
@@ -8653,6 +8717,228 @@
     <p:extLst>
       <p:ext uri="{BB962C8B-B14F-4D97-AF65-F5344CB8AC3E}">
         <p14:creationId xmlns:p14="http://schemas.microsoft.com/office/powerpoint/2010/main" val="4238095867"/>
+      </p:ext>
+    </p:extLst>
+  </p:cSld>
+  <p:clrMapOvr>
+    <a:masterClrMapping/>
+  </p:clrMapOvr>
+</p:sld>
+</file>
+
+<file path=ppt/slides/slide6.xml><?xml version="1.0" encoding="utf-8"?>
+<p:sld xmlns:a="http://schemas.openxmlformats.org/drawingml/2006/main" xmlns:r="http://schemas.openxmlformats.org/officeDocument/2006/relationships" xmlns:p="http://schemas.openxmlformats.org/presentationml/2006/main">
+  <p:cSld>
+    <p:spTree>
+      <p:nvGrpSpPr>
+        <p:cNvPr id="1" name=""/>
+        <p:cNvGrpSpPr/>
+        <p:nvPr/>
+      </p:nvGrpSpPr>
+      <p:grpSpPr>
+        <a:xfrm>
+          <a:off x="0" y="0"/>
+          <a:ext cx="0" cy="0"/>
+          <a:chOff x="0" y="0"/>
+          <a:chExt cx="0" cy="0"/>
+        </a:xfrm>
+      </p:grpSpPr>
+      <p:sp>
+        <p:nvSpPr>
+          <p:cNvPr id="2" name="Textplatzhalter 1"/>
+          <p:cNvSpPr>
+            <a:spLocks noGrp="1"/>
+          </p:cNvSpPr>
+          <p:nvPr>
+            <p:ph type="body" sz="quarter" idx="19"/>
+          </p:nvPr>
+        </p:nvSpPr>
+        <p:spPr/>
+        <p:txBody>
+          <a:bodyPr/>
+          <a:lstStyle/>
+          <a:p>
+            <a:r>
+              <a:rPr lang="de-DE" dirty="0" err="1" smtClean="0"/>
+              <a:t>Burp</a:t>
+            </a:r>
+            <a:r>
+              <a:rPr lang="de-DE" dirty="0" smtClean="0"/>
+              <a:t> Suite</a:t>
+            </a:r>
+          </a:p>
+          <a:p>
+            <a:pPr lvl="1"/>
+            <a:r>
+              <a:rPr lang="de-DE" dirty="0" smtClean="0"/>
+              <a:t>Integrierte Plattform für Sicherheitstests auf Webapplikationen</a:t>
+            </a:r>
+          </a:p>
+          <a:p>
+            <a:endParaRPr lang="de-DE" dirty="0"/>
+          </a:p>
+          <a:p>
+            <a:r>
+              <a:rPr lang="de-DE" dirty="0" err="1" smtClean="0"/>
+              <a:t>Burp</a:t>
+            </a:r>
+            <a:r>
+              <a:rPr lang="de-DE" dirty="0" smtClean="0"/>
+              <a:t> Suite Tutorial</a:t>
+            </a:r>
+          </a:p>
+          <a:p>
+            <a:pPr lvl="1"/>
+            <a:r>
+              <a:rPr lang="de-DE" dirty="0" smtClean="0"/>
+              <a:t>Kleiner Einstieg in die </a:t>
+            </a:r>
+            <a:r>
+              <a:rPr lang="de-DE" dirty="0" err="1" smtClean="0"/>
+              <a:t>Burp</a:t>
+            </a:r>
+            <a:r>
+              <a:rPr lang="de-DE" dirty="0" smtClean="0"/>
+              <a:t> Suite</a:t>
+            </a:r>
+          </a:p>
+          <a:p>
+            <a:pPr lvl="1"/>
+            <a:r>
+              <a:rPr lang="de-DE" dirty="0" smtClean="0"/>
+              <a:t>Was ist </a:t>
+            </a:r>
+            <a:r>
+              <a:rPr lang="de-DE" dirty="0" err="1" smtClean="0"/>
+              <a:t>Burp</a:t>
+            </a:r>
+            <a:r>
+              <a:rPr lang="de-DE" dirty="0" smtClean="0"/>
+              <a:t> Suite</a:t>
+            </a:r>
+          </a:p>
+          <a:p>
+            <a:pPr lvl="1"/>
+            <a:r>
+              <a:rPr lang="de-DE" dirty="0" smtClean="0"/>
+              <a:t>Funktionen in der Free </a:t>
+            </a:r>
+            <a:r>
+              <a:rPr lang="de-DE" dirty="0"/>
+              <a:t>V</a:t>
+            </a:r>
+            <a:r>
+              <a:rPr lang="de-DE" dirty="0" smtClean="0"/>
+              <a:t>ersion</a:t>
+            </a:r>
+          </a:p>
+          <a:p>
+            <a:pPr lvl="1"/>
+            <a:r>
+              <a:rPr lang="de-DE" dirty="0" smtClean="0"/>
+              <a:t>Verwendung der wichtigsten Funktionen</a:t>
+            </a:r>
+          </a:p>
+          <a:p>
+            <a:pPr lvl="1"/>
+            <a:endParaRPr lang="de-DE" dirty="0"/>
+          </a:p>
+          <a:p>
+            <a:pPr lvl="1" indent="0" algn="ctr">
+              <a:buNone/>
+            </a:pPr>
+            <a:endParaRPr lang="de-DE" dirty="0" smtClean="0"/>
+          </a:p>
+          <a:p>
+            <a:pPr lvl="1" indent="0" algn="ctr">
+              <a:buNone/>
+            </a:pPr>
+            <a:r>
+              <a:rPr lang="de-DE" dirty="0" smtClean="0"/>
+              <a:t>Vorführung</a:t>
+            </a:r>
+            <a:endParaRPr lang="de-DE" dirty="0"/>
+          </a:p>
+        </p:txBody>
+      </p:sp>
+      <p:sp>
+        <p:nvSpPr>
+          <p:cNvPr id="3" name="Titel 2"/>
+          <p:cNvSpPr>
+            <a:spLocks noGrp="1"/>
+          </p:cNvSpPr>
+          <p:nvPr>
+            <p:ph type="title"/>
+          </p:nvPr>
+        </p:nvSpPr>
+        <p:spPr/>
+        <p:txBody>
+          <a:bodyPr>
+            <a:normAutofit fontScale="90000"/>
+          </a:bodyPr>
+          <a:lstStyle/>
+          <a:p>
+            <a:r>
+              <a:rPr lang="de-DE" dirty="0" err="1" smtClean="0"/>
+              <a:t>Burp</a:t>
+            </a:r>
+            <a:r>
+              <a:rPr lang="de-DE" dirty="0" smtClean="0"/>
+              <a:t> Suite</a:t>
+            </a:r>
+            <a:endParaRPr lang="de-DE" dirty="0"/>
+          </a:p>
+        </p:txBody>
+      </p:sp>
+      <p:sp>
+        <p:nvSpPr>
+          <p:cNvPr id="4" name="Untertitel 3"/>
+          <p:cNvSpPr>
+            <a:spLocks noGrp="1"/>
+          </p:cNvSpPr>
+          <p:nvPr>
+            <p:ph type="subTitle" idx="1"/>
+          </p:nvPr>
+        </p:nvSpPr>
+        <p:spPr/>
+        <p:txBody>
+          <a:bodyPr>
+            <a:normAutofit lnSpcReduction="10000"/>
+          </a:bodyPr>
+          <a:lstStyle/>
+          <a:p>
+            <a:endParaRPr lang="de-DE"/>
+          </a:p>
+        </p:txBody>
+      </p:sp>
+      <p:sp>
+        <p:nvSpPr>
+          <p:cNvPr id="5" name="Foliennummernplatzhalter 4"/>
+          <p:cNvSpPr>
+            <a:spLocks noGrp="1"/>
+          </p:cNvSpPr>
+          <p:nvPr>
+            <p:ph type="sldNum" sz="quarter" idx="4"/>
+          </p:nvPr>
+        </p:nvSpPr>
+        <p:spPr/>
+        <p:txBody>
+          <a:bodyPr/>
+          <a:lstStyle/>
+          <a:p>
+            <a:fld id="{F777D48D-F22C-624F-9C01-7CDA9A361691}" type="slidenum">
+              <a:rPr lang="de-DE" smtClean="0"/>
+              <a:pPr/>
+              <a:t>6</a:t>
+            </a:fld>
+            <a:endParaRPr lang="de-DE" dirty="0"/>
+          </a:p>
+        </p:txBody>
+      </p:sp>
+    </p:spTree>
+    <p:extLst>
+      <p:ext uri="{BB962C8B-B14F-4D97-AF65-F5344CB8AC3E}">
+        <p14:creationId xmlns:p14="http://schemas.microsoft.com/office/powerpoint/2010/main" val="1592689720"/>
       </p:ext>
     </p:extLst>
   </p:cSld>
